--- a/docs/images/logos.pptx
+++ b/docs/images/logos.pptx
@@ -104,6 +104,11 @@
       </a:defRPr>
     </a:lvl9pPr>
   </p:defaultTextStyle>
+  <p:extLst>
+    <p:ext uri="{EFAFB233-063F-42B5-8137-9DF3F51BA10A}">
+      <p15:sldGuideLst xmlns:p15="http://schemas.microsoft.com/office/powerpoint/2012/main"/>
+    </p:ext>
+  </p:extLst>
 </p:presentation>
 </file>
 
@@ -3343,7 +3348,7 @@
         </p:blipFill>
         <p:spPr>
           <a:xfrm>
-            <a:off x="177992" y="4783126"/>
+            <a:off x="225639" y="3850331"/>
             <a:ext cx="2570994" cy="790360"/>
           </a:xfrm>
           <a:prstGeom prst="rect">
@@ -3373,7 +3378,7 @@
         </p:blipFill>
         <p:spPr>
           <a:xfrm>
-            <a:off x="422231" y="505678"/>
+            <a:off x="378688" y="113792"/>
             <a:ext cx="1758932" cy="1758932"/>
           </a:xfrm>
           <a:prstGeom prst="rect">
@@ -3403,7 +3408,7 @@
         </p:blipFill>
         <p:spPr>
           <a:xfrm>
-            <a:off x="2547005" y="949177"/>
+            <a:off x="2503462" y="557291"/>
             <a:ext cx="3526695" cy="1065486"/>
           </a:xfrm>
           <a:prstGeom prst="rect">
@@ -3433,7 +3438,7 @@
         </p:blipFill>
         <p:spPr>
           <a:xfrm>
-            <a:off x="6663070" y="880410"/>
+            <a:off x="6619527" y="488524"/>
             <a:ext cx="2531108" cy="1384200"/>
           </a:xfrm>
           <a:prstGeom prst="rect">
@@ -3463,7 +3468,7 @@
         </p:blipFill>
         <p:spPr>
           <a:xfrm>
-            <a:off x="3333256" y="2732660"/>
+            <a:off x="731649" y="5389511"/>
             <a:ext cx="2433944" cy="1228787"/>
           </a:xfrm>
           <a:prstGeom prst="rect">
@@ -3493,7 +3498,7 @@
         </p:blipFill>
         <p:spPr>
           <a:xfrm>
-            <a:off x="6857018" y="4287228"/>
+            <a:off x="6904665" y="3354433"/>
             <a:ext cx="2166929" cy="1812856"/>
           </a:xfrm>
           <a:prstGeom prst="rect">
@@ -3523,7 +3528,7 @@
         </p:blipFill>
         <p:spPr>
           <a:xfrm>
-            <a:off x="564238" y="2836342"/>
+            <a:off x="1511136" y="2191132"/>
             <a:ext cx="1982767" cy="1125105"/>
           </a:xfrm>
           <a:prstGeom prst="rect">
@@ -3553,7 +3558,7 @@
         </p:blipFill>
         <p:spPr>
           <a:xfrm>
-            <a:off x="6663070" y="2836342"/>
+            <a:off x="4849718" y="2030579"/>
             <a:ext cx="2360877" cy="1074170"/>
           </a:xfrm>
           <a:prstGeom prst="rect">
@@ -3583,7 +3588,7 @@
         </p:blipFill>
         <p:spPr>
           <a:xfrm>
-            <a:off x="3117946" y="4405216"/>
+            <a:off x="3165593" y="3472421"/>
             <a:ext cx="2864564" cy="1694867"/>
           </a:xfrm>
           <a:prstGeom prst="rect">
@@ -3620,7 +3625,7 @@
         </p:blipFill>
         <p:spPr bwMode="auto">
           <a:xfrm>
-            <a:off x="9371569" y="3074604"/>
+            <a:off x="7953075" y="2285289"/>
             <a:ext cx="2612006" cy="648580"/>
           </a:xfrm>
           <a:prstGeom prst="rect">
@@ -3667,7 +3672,7 @@
         </p:blipFill>
         <p:spPr bwMode="auto">
           <a:xfrm>
-            <a:off x="9807999" y="488236"/>
+            <a:off x="9764456" y="96350"/>
             <a:ext cx="2175576" cy="2168548"/>
           </a:xfrm>
           <a:prstGeom prst="rect">
@@ -3714,8 +3719,122 @@
         </p:blipFill>
         <p:spPr bwMode="auto">
           <a:xfrm>
-            <a:off x="10048353" y="4405217"/>
+            <a:off x="10096000" y="3472422"/>
             <a:ext cx="1694867" cy="1694867"/>
+          </a:xfrm>
+          <a:prstGeom prst="rect">
+            <a:avLst/>
+          </a:prstGeom>
+          <a:noFill/>
+          <a:extLst>
+            <a:ext uri="{909E8E84-426E-40DD-AFC4-6F175D3DCCD1}">
+              <a14:hiddenFill xmlns:a14="http://schemas.microsoft.com/office/drawing/2010/main">
+                <a:solidFill>
+                  <a:srgbClr val="FFFFFF"/>
+                </a:solidFill>
+              </a14:hiddenFill>
+            </a:ext>
+          </a:extLst>
+        </p:spPr>
+      </p:pic>
+      <p:pic>
+        <p:nvPicPr>
+          <p:cNvPr id="2" name="Picture 2" descr="Marine Life 2030">
+            <a:extLst>
+              <a:ext uri="{FF2B5EF4-FFF2-40B4-BE49-F238E27FC236}">
+                <a16:creationId xmlns:a16="http://schemas.microsoft.com/office/drawing/2014/main" id="{CDD4FFF6-A45D-98B3-AACD-9F208B84AD5D}"/>
+              </a:ext>
+            </a:extLst>
+          </p:cNvPr>
+          <p:cNvPicPr>
+            <a:picLocks noChangeAspect="1" noChangeArrowheads="1"/>
+          </p:cNvPicPr>
+          <p:nvPr/>
+        </p:nvPicPr>
+        <p:blipFill>
+          <a:blip r:embed="rId14">
+            <a:clrChange>
+              <a:clrFrom>
+                <a:srgbClr val="FFFFFF"/>
+              </a:clrFrom>
+              <a:clrTo>
+                <a:srgbClr val="FFFFFF">
+                  <a:alpha val="0"/>
+                </a:srgbClr>
+              </a:clrTo>
+            </a:clrChange>
+            <a:extLst>
+              <a:ext uri="{28A0092B-C50C-407E-A947-70E740481C1C}">
+                <a14:useLocalDpi xmlns:a14="http://schemas.microsoft.com/office/drawing/2010/main" val="0"/>
+              </a:ext>
+            </a:extLst>
+          </a:blip>
+          <a:srcRect/>
+          <a:stretch>
+            <a:fillRect/>
+          </a:stretch>
+        </p:blipFill>
+        <p:spPr bwMode="auto">
+          <a:xfrm>
+            <a:off x="4289506" y="4417308"/>
+            <a:ext cx="3215166" cy="3215166"/>
+          </a:xfrm>
+          <a:prstGeom prst="rect">
+            <a:avLst/>
+          </a:prstGeom>
+          <a:noFill/>
+          <a:extLst>
+            <a:ext uri="{909E8E84-426E-40DD-AFC4-6F175D3DCCD1}">
+              <a14:hiddenFill xmlns:a14="http://schemas.microsoft.com/office/drawing/2010/main">
+                <a:solidFill>
+                  <a:srgbClr val="FFFFFF"/>
+                </a:solidFill>
+              </a14:hiddenFill>
+            </a:ext>
+          </a:extLst>
+        </p:spPr>
+      </p:pic>
+      <p:pic>
+        <p:nvPicPr>
+          <p:cNvPr id="3" name="Picture 4" descr="Marine Life 2030">
+            <a:extLst>
+              <a:ext uri="{FF2B5EF4-FFF2-40B4-BE49-F238E27FC236}">
+                <a16:creationId xmlns:a16="http://schemas.microsoft.com/office/drawing/2014/main" id="{4D525884-CC67-3CE9-FDEA-8A5EFEB56A45}"/>
+              </a:ext>
+            </a:extLst>
+          </p:cNvPr>
+          <p:cNvPicPr>
+            <a:picLocks noChangeAspect="1" noChangeArrowheads="1"/>
+          </p:cNvPicPr>
+          <p:nvPr/>
+        </p:nvPicPr>
+        <p:blipFill>
+          <a:blip r:embed="rId15">
+            <a:clrChange>
+              <a:clrFrom>
+                <a:srgbClr val="FFFFFF"/>
+              </a:clrFrom>
+              <a:clrTo>
+                <a:srgbClr val="FFFFFF">
+                  <a:alpha val="0"/>
+                </a:srgbClr>
+              </a:clrTo>
+            </a:clrChange>
+            <a:extLst>
+              <a:ext uri="{28A0092B-C50C-407E-A947-70E740481C1C}">
+                <a14:useLocalDpi xmlns:a14="http://schemas.microsoft.com/office/drawing/2010/main" val="0"/>
+              </a:ext>
+            </a:extLst>
+          </a:blip>
+          <a:srcRect/>
+          <a:stretch>
+            <a:fillRect/>
+          </a:stretch>
+        </p:blipFill>
+        <p:spPr bwMode="auto">
+          <a:xfrm>
+            <a:off x="8402452" y="4844141"/>
+            <a:ext cx="2162629" cy="2162629"/>
           </a:xfrm>
           <a:prstGeom prst="rect">
             <a:avLst/>
